--- a/Phyton.pptx
+++ b/Phyton.pptx
@@ -2,7 +2,7 @@
 <file path=ppt/presentation.xml><?xml version="1.0" encoding="utf-8"?>
 <p:presentation xmlns:a="http://schemas.openxmlformats.org/drawingml/2006/main" xmlns:r="http://schemas.openxmlformats.org/officeDocument/2006/relationships" xmlns:p="http://schemas.openxmlformats.org/presentationml/2006/main" saveSubsetFonts="1">
   <p:sldMasterIdLst>
-    <p:sldMasterId id="2147483792" r:id="rId1"/>
+    <p:sldMasterId id="2147483840" r:id="rId1"/>
   </p:sldMasterIdLst>
   <p:sldIdLst>
     <p:sldId id="256" r:id="rId2"/>
@@ -28,6 +28,7 @@
     <p:sldId id="276" r:id="rId22"/>
     <p:sldId id="277" r:id="rId23"/>
     <p:sldId id="278" r:id="rId24"/>
+    <p:sldId id="279" r:id="rId25"/>
   </p:sldIdLst>
   <p:sldSz cx="9144000" cy="6858000" type="screen4x3"/>
   <p:notesSz cx="6858000" cy="9144000"/>
@@ -158,22 +159,17 @@
         </p:nvSpPr>
         <p:spPr>
           <a:xfrm>
-            <a:off x="685800" y="1905000"/>
-            <a:ext cx="7543800" cy="2593975"/>
+            <a:off x="685800" y="1371600"/>
+            <a:ext cx="7848600" cy="1927225"/>
           </a:xfrm>
         </p:spPr>
         <p:txBody>
-          <a:bodyPr anchor="b"/>
+          <a:bodyPr anchor="b">
+            <a:noAutofit/>
+          </a:bodyPr>
           <a:lstStyle>
             <a:lvl1pPr>
-              <a:defRPr sz="6600">
-                <a:ln>
-                  <a:noFill/>
-                </a:ln>
-                <a:solidFill>
-                  <a:schemeClr val="tx2"/>
-                </a:solidFill>
-              </a:defRPr>
+              <a:defRPr sz="5400" cap="all" baseline="0"/>
             </a:lvl1pPr>
           </a:lstStyle>
           <a:p>
@@ -197,21 +193,20 @@
         </p:nvSpPr>
         <p:spPr>
           <a:xfrm>
-            <a:off x="685800" y="4572000"/>
-            <a:ext cx="6461760" cy="1066800"/>
+            <a:off x="685800" y="3505200"/>
+            <a:ext cx="6400800" cy="1752600"/>
           </a:xfrm>
         </p:spPr>
         <p:txBody>
-          <a:bodyPr anchor="t">
-            <a:normAutofit/>
-          </a:bodyPr>
+          <a:bodyPr/>
           <a:lstStyle>
             <a:lvl1pPr marL="0" indent="0" algn="l">
               <a:buNone/>
-              <a:defRPr sz="2000">
+              <a:defRPr>
                 <a:solidFill>
                   <a:schemeClr val="tx1">
-                    <a:tint val="75000"/>
+                    <a:lumMod val="75000"/>
+                    <a:lumOff val="25000"/>
                   </a:schemeClr>
                 </a:solidFill>
               </a:defRPr>
@@ -323,7 +318,7 @@
           <a:p>
             <a:fld id="{8E60910C-25EC-41B8-A89E-A3D68B19D591}" type="datetimeFigureOut">
               <a:rPr lang="en-IN" smtClean="0"/>
-              <a:t>28-05-2024</a:t>
+              <a:t>08-06-2024</a:t>
             </a:fld>
             <a:endParaRPr lang="en-IN"/>
           </a:p>
@@ -371,6 +366,41 @@
           </a:p>
         </p:txBody>
       </p:sp>
+      <p:cxnSp>
+        <p:nvCxnSpPr>
+          <p:cNvPr id="8" name="Straight Connector 7"/>
+          <p:cNvCxnSpPr/>
+          <p:nvPr/>
+        </p:nvCxnSpPr>
+        <p:spPr>
+          <a:xfrm>
+            <a:off x="685800" y="3398520"/>
+            <a:ext cx="7848600" cy="1588"/>
+          </a:xfrm>
+          <a:prstGeom prst="line">
+            <a:avLst/>
+          </a:prstGeom>
+          <a:ln w="19050">
+            <a:solidFill>
+              <a:schemeClr val="tx2"/>
+            </a:solidFill>
+          </a:ln>
+        </p:spPr>
+        <p:style>
+          <a:lnRef idx="1">
+            <a:schemeClr val="accent1"/>
+          </a:lnRef>
+          <a:fillRef idx="0">
+            <a:schemeClr val="accent1"/>
+          </a:fillRef>
+          <a:effectRef idx="0">
+            <a:schemeClr val="accent1"/>
+          </a:effectRef>
+          <a:fontRef idx="minor">
+            <a:schemeClr val="tx1"/>
+          </a:fontRef>
+        </p:style>
+      </p:cxnSp>
     </p:spTree>
   </p:cSld>
   <p:clrMapOvr>
@@ -488,7 +518,7 @@
           <a:p>
             <a:fld id="{8E60910C-25EC-41B8-A89E-A3D68B19D591}" type="datetimeFigureOut">
               <a:rPr lang="en-IN" smtClean="0"/>
-              <a:t>28-05-2024</a:t>
+              <a:t>08-06-2024</a:t>
             </a:fld>
             <a:endParaRPr lang="en-IN"/>
           </a:p>
@@ -573,12 +603,12 @@
         </p:nvSpPr>
         <p:spPr>
           <a:xfrm>
-            <a:off x="6629400" y="274638"/>
-            <a:ext cx="1752600" cy="5851525"/>
+            <a:off x="6629400" y="609600"/>
+            <a:ext cx="2057400" cy="5867400"/>
           </a:xfrm>
         </p:spPr>
         <p:txBody>
-          <a:bodyPr vert="eaVert" anchor="b" anchorCtr="0"/>
+          <a:bodyPr vert="eaVert" anchor="b"/>
           <a:lstStyle/>
           <a:p>
             <a:r>
@@ -601,8 +631,8 @@
         </p:nvSpPr>
         <p:spPr>
           <a:xfrm>
-            <a:off x="457200" y="274638"/>
-            <a:ext cx="6019800" cy="5851525"/>
+            <a:off x="457200" y="609600"/>
+            <a:ext cx="6019800" cy="5867400"/>
           </a:xfrm>
         </p:spPr>
         <p:txBody>
@@ -642,7 +672,7 @@
               <a:rPr lang="en-US" smtClean="0"/>
               <a:t>Fifth level</a:t>
             </a:r>
-            <a:endParaRPr lang="en-US"/>
+            <a:endParaRPr lang="en-US" dirty="0"/>
           </a:p>
         </p:txBody>
       </p:sp>
@@ -663,7 +693,7 @@
           <a:p>
             <a:fld id="{8E60910C-25EC-41B8-A89E-A3D68B19D591}" type="datetimeFigureOut">
               <a:rPr lang="en-IN" smtClean="0"/>
-              <a:t>28-05-2024</a:t>
+              <a:t>08-06-2024</a:t>
             </a:fld>
             <a:endParaRPr lang="en-IN"/>
           </a:p>
@@ -828,7 +858,7 @@
           <a:p>
             <a:fld id="{8E60910C-25EC-41B8-A89E-A3D68B19D591}" type="datetimeFigureOut">
               <a:rPr lang="en-IN" smtClean="0"/>
-              <a:t>28-05-2024</a:t>
+              <a:t>08-06-2024</a:t>
             </a:fld>
             <a:endParaRPr lang="en-IN"/>
           </a:p>
@@ -887,6 +917,11 @@
 <file path=ppt/slideLayouts/slideLayout3.xml><?xml version="1.0" encoding="utf-8"?>
 <p:sldLayout xmlns:a="http://schemas.openxmlformats.org/drawingml/2006/main" xmlns:r="http://schemas.openxmlformats.org/officeDocument/2006/relationships" xmlns:p="http://schemas.openxmlformats.org/presentationml/2006/main" type="secHead" preserve="1">
   <p:cSld name="Section Header">
+    <p:bg>
+      <p:bgRef idx="1001">
+        <a:schemeClr val="bg2"/>
+      </p:bgRef>
+    </p:bg>
     <p:spTree>
       <p:nvGrpSpPr>
         <p:cNvPr id="1" name=""/>
@@ -913,15 +948,17 @@
         </p:nvSpPr>
         <p:spPr>
           <a:xfrm>
-            <a:off x="722313" y="5486400"/>
-            <a:ext cx="7659687" cy="1168400"/>
+            <a:off x="722313" y="2362200"/>
+            <a:ext cx="7772400" cy="2200275"/>
           </a:xfrm>
         </p:spPr>
         <p:txBody>
-          <a:bodyPr anchor="t"/>
+          <a:bodyPr anchor="b">
+            <a:normAutofit/>
+          </a:bodyPr>
           <a:lstStyle>
             <a:lvl1pPr algn="l">
-              <a:defRPr sz="3600" b="0" cap="all"/>
+              <a:defRPr sz="4800" b="0" cap="all"/>
             </a:lvl1pPr>
           </a:lstStyle>
           <a:p>
@@ -945,20 +982,20 @@
         </p:nvSpPr>
         <p:spPr>
           <a:xfrm>
-            <a:off x="722313" y="3852863"/>
-            <a:ext cx="6135687" cy="1633538"/>
+            <a:off x="722313" y="4626864"/>
+            <a:ext cx="7772400" cy="1500187"/>
           </a:xfrm>
         </p:spPr>
         <p:txBody>
-          <a:bodyPr anchor="b"/>
+          <a:bodyPr anchor="t">
+            <a:normAutofit/>
+          </a:bodyPr>
           <a:lstStyle>
             <a:lvl1pPr marL="0" indent="0">
               <a:buNone/>
-              <a:defRPr sz="2000">
+              <a:defRPr sz="2400">
                 <a:solidFill>
-                  <a:schemeClr val="tx1">
-                    <a:tint val="75000"/>
-                  </a:schemeClr>
+                  <a:schemeClr val="tx2"/>
                 </a:solidFill>
               </a:defRPr>
             </a:lvl1pPr>
@@ -1069,7 +1106,7 @@
           <a:p>
             <a:fld id="{8E60910C-25EC-41B8-A89E-A3D68B19D591}" type="datetimeFigureOut">
               <a:rPr lang="en-IN" smtClean="0"/>
-              <a:t>28-05-2024</a:t>
+              <a:t>08-06-2024</a:t>
             </a:fld>
             <a:endParaRPr lang="en-IN"/>
           </a:p>
@@ -1117,10 +1154,45 @@
           </a:p>
         </p:txBody>
       </p:sp>
+      <p:cxnSp>
+        <p:nvCxnSpPr>
+          <p:cNvPr id="7" name="Straight Connector 6"/>
+          <p:cNvCxnSpPr/>
+          <p:nvPr/>
+        </p:nvCxnSpPr>
+        <p:spPr>
+          <a:xfrm>
+            <a:off x="731520" y="4599432"/>
+            <a:ext cx="7848600" cy="1588"/>
+          </a:xfrm>
+          <a:prstGeom prst="line">
+            <a:avLst/>
+          </a:prstGeom>
+          <a:ln w="19050">
+            <a:solidFill>
+              <a:schemeClr val="tx2"/>
+            </a:solidFill>
+          </a:ln>
+        </p:spPr>
+        <p:style>
+          <a:lnRef idx="1">
+            <a:schemeClr val="accent1"/>
+          </a:lnRef>
+          <a:fillRef idx="0">
+            <a:schemeClr val="accent1"/>
+          </a:fillRef>
+          <a:effectRef idx="0">
+            <a:schemeClr val="accent1"/>
+          </a:effectRef>
+          <a:fontRef idx="minor">
+            <a:schemeClr val="tx1"/>
+          </a:fontRef>
+        </p:style>
+      </p:cxnSp>
     </p:spTree>
   </p:cSld>
   <p:clrMapOvr>
-    <a:masterClrMapping/>
+    <a:overrideClrMapping bg1="dk1" tx1="lt1" bg2="dk2" tx2="lt2" accent1="accent1" accent2="accent2" accent3="accent3" accent4="accent4" accent5="accent5" accent6="accent6" hlink="hlink" folHlink="folHlink"/>
   </p:clrMapOvr>
 </p:sldLayout>
 </file>
@@ -1177,8 +1249,8 @@
         </p:nvSpPr>
         <p:spPr>
           <a:xfrm>
-            <a:off x="457200" y="1536192"/>
-            <a:ext cx="3657600" cy="4590288"/>
+            <a:off x="457200" y="1673352"/>
+            <a:ext cx="4038600" cy="4718304"/>
           </a:xfrm>
         </p:spPr>
         <p:txBody>
@@ -1262,8 +1334,8 @@
         </p:nvSpPr>
         <p:spPr>
           <a:xfrm>
-            <a:off x="4419600" y="1536192"/>
-            <a:ext cx="3657600" cy="4590288"/>
+            <a:off x="4648200" y="1673352"/>
+            <a:ext cx="4038600" cy="4718304"/>
           </a:xfrm>
         </p:spPr>
         <p:txBody>
@@ -1352,7 +1424,7 @@
           <a:p>
             <a:fld id="{8E60910C-25EC-41B8-A89E-A3D68B19D591}" type="datetimeFigureOut">
               <a:rPr lang="en-IN" smtClean="0"/>
-              <a:t>28-05-2024</a:t>
+              <a:t>08-06-2024</a:t>
             </a:fld>
             <a:endParaRPr lang="en-IN"/>
           </a:p>
@@ -1448,7 +1520,7 @@
               <a:rPr lang="en-US" smtClean="0"/>
               <a:t>Click to edit Master title style</a:t>
             </a:r>
-            <a:endParaRPr lang="en-US"/>
+            <a:endParaRPr lang="en-US" dirty="0"/>
           </a:p>
         </p:txBody>
       </p:sp>
@@ -1464,18 +1536,35 @@
         </p:nvSpPr>
         <p:spPr>
           <a:xfrm>
-            <a:off x="457200" y="1535113"/>
-            <a:ext cx="3657600" cy="639762"/>
+            <a:off x="457200" y="1676400"/>
+            <a:ext cx="3931920" cy="639762"/>
           </a:xfrm>
+          <a:noFill/>
+          <a:ln>
+            <a:noFill/>
+          </a:ln>
+          <a:effectLst/>
         </p:spPr>
-        <p:txBody>
-          <a:bodyPr anchor="b">
-            <a:noAutofit/>
+        <p:style>
+          <a:lnRef idx="3">
+            <a:schemeClr val="lt1"/>
+          </a:lnRef>
+          <a:fillRef idx="1">
+            <a:schemeClr val="accent2"/>
+          </a:fillRef>
+          <a:effectRef idx="1">
+            <a:schemeClr val="accent2"/>
+          </a:effectRef>
+          <a:fontRef idx="none"/>
+        </p:style>
+        <p:txBody>
+          <a:bodyPr anchor="ctr">
+            <a:normAutofit/>
           </a:bodyPr>
           <a:lstStyle>
             <a:lvl1pPr marL="0" indent="0" algn="ctr">
               <a:buNone/>
-              <a:defRPr sz="2000" b="1">
+              <a:defRPr sz="2000" b="0">
                 <a:solidFill>
                   <a:schemeClr val="tx2"/>
                 </a:solidFill>
@@ -1535,8 +1624,8 @@
         </p:nvSpPr>
         <p:spPr>
           <a:xfrm>
-            <a:off x="457200" y="2174875"/>
-            <a:ext cx="3657600" cy="3951288"/>
+            <a:off x="457200" y="2438400"/>
+            <a:ext cx="3931920" cy="3951288"/>
           </a:xfrm>
         </p:spPr>
         <p:txBody>
@@ -1620,21 +1709,41 @@
         </p:nvSpPr>
         <p:spPr>
           <a:xfrm>
-            <a:off x="4419600" y="1535113"/>
-            <a:ext cx="3657600" cy="639762"/>
+            <a:off x="4754880" y="1676400"/>
+            <a:ext cx="3931920" cy="639762"/>
           </a:xfrm>
+          <a:noFill/>
+          <a:ln>
+            <a:noFill/>
+          </a:ln>
+          <a:effectLst/>
         </p:spPr>
-        <p:txBody>
-          <a:bodyPr anchor="b">
-            <a:noAutofit/>
+        <p:style>
+          <a:lnRef idx="3">
+            <a:schemeClr val="lt1"/>
+          </a:lnRef>
+          <a:fillRef idx="1">
+            <a:schemeClr val="accent2"/>
+          </a:fillRef>
+          <a:effectRef idx="1">
+            <a:schemeClr val="accent2"/>
+          </a:effectRef>
+          <a:fontRef idx="none"/>
+        </p:style>
+        <p:txBody>
+          <a:bodyPr anchor="ctr">
+            <a:normAutofit/>
           </a:bodyPr>
           <a:lstStyle>
             <a:lvl1pPr marL="0" indent="0" algn="ctr">
               <a:buNone/>
-              <a:defRPr sz="2000" b="1">
+              <a:defRPr lang="en-US" sz="2000" b="0" kern="1200" dirty="0" smtClean="0">
                 <a:solidFill>
                   <a:schemeClr val="tx2"/>
                 </a:solidFill>
+                <a:latin typeface="+mn-lt"/>
+                <a:ea typeface="+mn-ea"/>
+                <a:cs typeface="+mn-cs"/>
               </a:defRPr>
             </a:lvl1pPr>
             <a:lvl2pPr marL="457200" indent="0">
@@ -1691,8 +1800,8 @@
         </p:nvSpPr>
         <p:spPr>
           <a:xfrm>
-            <a:off x="4419600" y="2174875"/>
-            <a:ext cx="3657600" cy="3951288"/>
+            <a:off x="4754880" y="2438400"/>
+            <a:ext cx="3931920" cy="3951288"/>
           </a:xfrm>
         </p:spPr>
         <p:txBody>
@@ -1760,7 +1869,7 @@
               <a:rPr lang="en-US" smtClean="0"/>
               <a:t>Fifth level</a:t>
             </a:r>
-            <a:endParaRPr lang="en-US"/>
+            <a:endParaRPr lang="en-US" dirty="0"/>
           </a:p>
         </p:txBody>
       </p:sp>
@@ -1781,7 +1890,7 @@
           <a:p>
             <a:fld id="{8E60910C-25EC-41B8-A89E-A3D68B19D591}" type="datetimeFigureOut">
               <a:rPr lang="en-IN" smtClean="0"/>
-              <a:t>28-05-2024</a:t>
+              <a:t>08-06-2024</a:t>
             </a:fld>
             <a:endParaRPr lang="en-IN"/>
           </a:p>
@@ -1829,6 +1938,41 @@
           </a:p>
         </p:txBody>
       </p:sp>
+      <p:cxnSp>
+        <p:nvCxnSpPr>
+          <p:cNvPr id="11" name="Straight Connector 10"/>
+          <p:cNvCxnSpPr/>
+          <p:nvPr/>
+        </p:nvCxnSpPr>
+        <p:spPr>
+          <a:xfrm rot="5400000">
+            <a:off x="2217817" y="4045823"/>
+            <a:ext cx="4709160" cy="794"/>
+          </a:xfrm>
+          <a:prstGeom prst="line">
+            <a:avLst/>
+          </a:prstGeom>
+          <a:ln w="19050">
+            <a:solidFill>
+              <a:schemeClr val="tx2"/>
+            </a:solidFill>
+          </a:ln>
+        </p:spPr>
+        <p:style>
+          <a:lnRef idx="1">
+            <a:schemeClr val="accent1"/>
+          </a:lnRef>
+          <a:fillRef idx="0">
+            <a:schemeClr val="accent1"/>
+          </a:fillRef>
+          <a:effectRef idx="0">
+            <a:schemeClr val="accent1"/>
+          </a:effectRef>
+          <a:fontRef idx="minor">
+            <a:schemeClr val="tx1"/>
+          </a:fontRef>
+        </p:style>
+      </p:cxnSp>
     </p:spTree>
   </p:cSld>
   <p:clrMapOvr>
@@ -1894,7 +2038,7 @@
           <a:p>
             <a:fld id="{8E60910C-25EC-41B8-A89E-A3D68B19D591}" type="datetimeFigureOut">
               <a:rPr lang="en-IN" smtClean="0"/>
-              <a:t>28-05-2024</a:t>
+              <a:t>08-06-2024</a:t>
             </a:fld>
             <a:endParaRPr lang="en-IN"/>
           </a:p>
@@ -1984,7 +2128,7 @@
           <a:p>
             <a:fld id="{8E60910C-25EC-41B8-A89E-A3D68B19D591}" type="datetimeFigureOut">
               <a:rPr lang="en-IN" smtClean="0"/>
-              <a:t>28-05-2024</a:t>
+              <a:t>08-06-2024</a:t>
             </a:fld>
             <a:endParaRPr lang="en-IN"/>
           </a:p>
@@ -2069,15 +2213,17 @@
         </p:nvSpPr>
         <p:spPr>
           <a:xfrm>
-            <a:off x="304801" y="5495544"/>
-            <a:ext cx="7772400" cy="594360"/>
+            <a:off x="457200" y="792080"/>
+            <a:ext cx="2139696" cy="1261872"/>
           </a:xfrm>
         </p:spPr>
         <p:txBody>
-          <a:bodyPr anchor="b"/>
+          <a:bodyPr anchor="b">
+            <a:noAutofit/>
+          </a:bodyPr>
           <a:lstStyle>
-            <a:lvl1pPr algn="ctr">
-              <a:defRPr sz="2200" b="1"/>
+            <a:lvl1pPr algn="l">
+              <a:defRPr sz="2400" b="0"/>
             </a:lvl1pPr>
           </a:lstStyle>
           <a:p>
@@ -2091,28 +2237,111 @@
       </p:sp>
       <p:sp>
         <p:nvSpPr>
-          <p:cNvPr id="4" name="Text Placeholder 3"/>
-          <p:cNvSpPr>
-            <a:spLocks noGrp="1"/>
-          </p:cNvSpPr>
-          <p:nvPr>
-            <p:ph type="body" sz="half" idx="2"/>
+          <p:cNvPr id="3" name="Content Placeholder 2"/>
+          <p:cNvSpPr>
+            <a:spLocks noGrp="1"/>
+          </p:cNvSpPr>
+          <p:nvPr>
+            <p:ph idx="1"/>
           </p:nvPr>
         </p:nvSpPr>
         <p:spPr>
           <a:xfrm>
-            <a:off x="304799" y="6096000"/>
-            <a:ext cx="7772401" cy="609600"/>
+            <a:off x="2971800" y="792080"/>
+            <a:ext cx="5715000" cy="5577840"/>
           </a:xfrm>
         </p:spPr>
         <p:txBody>
-          <a:bodyPr>
-            <a:normAutofit/>
-          </a:bodyPr>
+          <a:bodyPr/>
           <a:lstStyle>
-            <a:lvl1pPr marL="0" indent="0" algn="ctr">
-              <a:buNone/>
-              <a:defRPr sz="1600"/>
+            <a:lvl1pPr>
+              <a:defRPr sz="3200"/>
+            </a:lvl1pPr>
+            <a:lvl2pPr>
+              <a:defRPr sz="2800"/>
+            </a:lvl2pPr>
+            <a:lvl3pPr>
+              <a:defRPr sz="2400"/>
+            </a:lvl3pPr>
+            <a:lvl4pPr>
+              <a:defRPr sz="2000"/>
+            </a:lvl4pPr>
+            <a:lvl5pPr>
+              <a:defRPr sz="2000"/>
+            </a:lvl5pPr>
+            <a:lvl6pPr>
+              <a:defRPr sz="2000"/>
+            </a:lvl6pPr>
+            <a:lvl7pPr>
+              <a:defRPr sz="2000"/>
+            </a:lvl7pPr>
+            <a:lvl8pPr>
+              <a:defRPr sz="2000"/>
+            </a:lvl8pPr>
+            <a:lvl9pPr>
+              <a:defRPr sz="2000"/>
+            </a:lvl9pPr>
+          </a:lstStyle>
+          <a:p>
+            <a:pPr lvl="0"/>
+            <a:r>
+              <a:rPr lang="en-US" smtClean="0"/>
+              <a:t>Click to edit Master text styles</a:t>
+            </a:r>
+          </a:p>
+          <a:p>
+            <a:pPr lvl="1"/>
+            <a:r>
+              <a:rPr lang="en-US" smtClean="0"/>
+              <a:t>Second level</a:t>
+            </a:r>
+          </a:p>
+          <a:p>
+            <a:pPr lvl="2"/>
+            <a:r>
+              <a:rPr lang="en-US" smtClean="0"/>
+              <a:t>Third level</a:t>
+            </a:r>
+          </a:p>
+          <a:p>
+            <a:pPr lvl="3"/>
+            <a:r>
+              <a:rPr lang="en-US" smtClean="0"/>
+              <a:t>Fourth level</a:t>
+            </a:r>
+          </a:p>
+          <a:p>
+            <a:pPr lvl="4"/>
+            <a:r>
+              <a:rPr lang="en-US" smtClean="0"/>
+              <a:t>Fifth level</a:t>
+            </a:r>
+            <a:endParaRPr lang="en-US" dirty="0"/>
+          </a:p>
+        </p:txBody>
+      </p:sp>
+      <p:sp>
+        <p:nvSpPr>
+          <p:cNvPr id="4" name="Text Placeholder 3"/>
+          <p:cNvSpPr>
+            <a:spLocks noGrp="1"/>
+          </p:cNvSpPr>
+          <p:nvPr>
+            <p:ph type="body" sz="half" idx="2"/>
+          </p:nvPr>
+        </p:nvSpPr>
+        <p:spPr>
+          <a:xfrm>
+            <a:off x="457201" y="2130552"/>
+            <a:ext cx="2139696" cy="4243615"/>
+          </a:xfrm>
+        </p:spPr>
+        <p:txBody>
+          <a:bodyPr/>
+          <a:lstStyle>
+            <a:lvl1pPr marL="0" indent="0">
+              <a:buNone/>
+              <a:defRPr sz="1400"/>
             </a:lvl1pPr>
             <a:lvl2pPr marL="457200" indent="0">
               <a:buNone/>
@@ -2173,7 +2402,7 @@
           <a:p>
             <a:fld id="{8E60910C-25EC-41B8-A89E-A3D68B19D591}" type="datetimeFigureOut">
               <a:rPr lang="en-IN" smtClean="0"/>
-              <a:t>28-05-2024</a:t>
+              <a:t>08-06-2024</a:t>
             </a:fld>
             <a:endParaRPr lang="en-IN"/>
           </a:p>
@@ -2221,63 +2450,41 @@
           </a:p>
         </p:txBody>
       </p:sp>
-      <p:sp>
-        <p:nvSpPr>
-          <p:cNvPr id="9" name="Content Placeholder 8"/>
-          <p:cNvSpPr>
-            <a:spLocks noGrp="1"/>
-          </p:cNvSpPr>
-          <p:nvPr>
-            <p:ph sz="quarter" idx="13"/>
-          </p:nvPr>
-        </p:nvSpPr>
+      <p:cxnSp>
+        <p:nvCxnSpPr>
+          <p:cNvPr id="9" name="Straight Connector 8"/>
+          <p:cNvCxnSpPr/>
+          <p:nvPr/>
+        </p:nvCxnSpPr>
         <p:spPr>
-          <a:xfrm>
-            <a:off x="304800" y="381000"/>
-            <a:ext cx="7772400" cy="4942840"/>
+          <a:xfrm rot="5400000">
+            <a:off x="-13116" y="3580206"/>
+            <a:ext cx="5577840" cy="1588"/>
           </a:xfrm>
+          <a:prstGeom prst="line">
+            <a:avLst/>
+          </a:prstGeom>
+          <a:ln w="19050">
+            <a:solidFill>
+              <a:schemeClr val="tx2"/>
+            </a:solidFill>
+          </a:ln>
         </p:spPr>
-        <p:txBody>
-          <a:bodyPr/>
-          <a:lstStyle/>
-          <a:p>
-            <a:pPr lvl="0"/>
-            <a:r>
-              <a:rPr lang="en-US" smtClean="0"/>
-              <a:t>Click to edit Master text styles</a:t>
-            </a:r>
-          </a:p>
-          <a:p>
-            <a:pPr lvl="1"/>
-            <a:r>
-              <a:rPr lang="en-US" smtClean="0"/>
-              <a:t>Second level</a:t>
-            </a:r>
-          </a:p>
-          <a:p>
-            <a:pPr lvl="2"/>
-            <a:r>
-              <a:rPr lang="en-US" smtClean="0"/>
-              <a:t>Third level</a:t>
-            </a:r>
-          </a:p>
-          <a:p>
-            <a:pPr lvl="3"/>
-            <a:r>
-              <a:rPr lang="en-US" smtClean="0"/>
-              <a:t>Fourth level</a:t>
-            </a:r>
-          </a:p>
-          <a:p>
-            <a:pPr lvl="4"/>
-            <a:r>
-              <a:rPr lang="en-US" smtClean="0"/>
-              <a:t>Fifth level</a:t>
-            </a:r>
-            <a:endParaRPr lang="en-US"/>
-          </a:p>
-        </p:txBody>
-      </p:sp>
+        <p:style>
+          <a:lnRef idx="1">
+            <a:schemeClr val="accent1"/>
+          </a:lnRef>
+          <a:fillRef idx="0">
+            <a:schemeClr val="accent1"/>
+          </a:fillRef>
+          <a:effectRef idx="0">
+            <a:schemeClr val="accent1"/>
+          </a:effectRef>
+          <a:fontRef idx="minor">
+            <a:schemeClr val="tx1"/>
+          </a:fontRef>
+        </p:style>
+      </p:cxnSp>
     </p:spTree>
   </p:cSld>
   <p:clrMapOvr>
@@ -2315,22 +2522,17 @@
         </p:nvSpPr>
         <p:spPr>
           <a:xfrm>
-            <a:off x="301752" y="5495278"/>
-            <a:ext cx="7772400" cy="594626"/>
+            <a:off x="457200" y="792480"/>
+            <a:ext cx="2142680" cy="1264920"/>
           </a:xfrm>
         </p:spPr>
         <p:txBody>
-          <a:bodyPr anchor="b"/>
+          <a:bodyPr anchor="b">
+            <a:normAutofit/>
+          </a:bodyPr>
           <a:lstStyle>
-            <a:lvl1pPr algn="ctr">
-              <a:defRPr sz="2200" b="1">
-                <a:ln>
-                  <a:noFill/>
-                </a:ln>
-                <a:solidFill>
-                  <a:schemeClr val="tx2"/>
-                </a:solidFill>
-              </a:defRPr>
+            <a:lvl1pPr algn="l">
+              <a:defRPr sz="2400" b="0"/>
             </a:lvl1pPr>
           </a:lstStyle>
           <a:p>
@@ -2354,9 +2556,25 @@
         </p:nvSpPr>
         <p:spPr>
           <a:xfrm>
-            <a:off x="0" y="0"/>
-            <a:ext cx="8458200" cy="5486400"/>
+            <a:off x="2858610" y="838201"/>
+            <a:ext cx="5904390" cy="5500456"/>
           </a:xfrm>
+          <a:solidFill>
+            <a:schemeClr val="bg2"/>
+          </a:solidFill>
+          <a:ln w="76200">
+            <a:solidFill>
+              <a:srgbClr val="FFFFFF"/>
+            </a:solidFill>
+            <a:miter lim="800000"/>
+          </a:ln>
+          <a:effectLst>
+            <a:outerShdw blurRad="50800" dist="12700" dir="5400000" algn="t" rotWithShape="0">
+              <a:prstClr val="black">
+                <a:alpha val="59000"/>
+              </a:prstClr>
+            </a:outerShdw>
+          </a:effectLst>
         </p:spPr>
         <p:txBody>
           <a:bodyPr/>
@@ -2419,18 +2637,16 @@
         </p:nvSpPr>
         <p:spPr>
           <a:xfrm>
-            <a:off x="301752" y="6096000"/>
-            <a:ext cx="7772400" cy="612648"/>
+            <a:off x="457200" y="2133600"/>
+            <a:ext cx="2139696" cy="4242816"/>
           </a:xfrm>
         </p:spPr>
         <p:txBody>
-          <a:bodyPr>
-            <a:normAutofit/>
-          </a:bodyPr>
+          <a:bodyPr/>
           <a:lstStyle>
-            <a:lvl1pPr marL="0" indent="0" algn="ctr">
-              <a:buNone/>
-              <a:defRPr sz="1600"/>
+            <a:lvl1pPr marL="0" indent="0">
+              <a:buNone/>
+              <a:defRPr sz="1400"/>
             </a:lvl1pPr>
             <a:lvl2pPr marL="457200" indent="0">
               <a:buNone/>
@@ -2476,7 +2692,7 @@
       </p:sp>
       <p:sp>
         <p:nvSpPr>
-          <p:cNvPr id="8" name="Date Placeholder 7"/>
+          <p:cNvPr id="5" name="Date Placeholder 4"/>
           <p:cNvSpPr>
             <a:spLocks noGrp="1"/>
           </p:cNvSpPr>
@@ -2491,7 +2707,7 @@
           <a:p>
             <a:fld id="{8E60910C-25EC-41B8-A89E-A3D68B19D591}" type="datetimeFigureOut">
               <a:rPr lang="en-IN" smtClean="0"/>
-              <a:t>28-05-2024</a:t>
+              <a:t>08-06-2024</a:t>
             </a:fld>
             <a:endParaRPr lang="en-IN"/>
           </a:p>
@@ -2499,12 +2715,31 @@
       </p:sp>
       <p:sp>
         <p:nvSpPr>
-          <p:cNvPr id="9" name="Slide Number Placeholder 8"/>
-          <p:cNvSpPr>
-            <a:spLocks noGrp="1"/>
-          </p:cNvSpPr>
-          <p:nvPr>
-            <p:ph type="sldNum" sz="quarter" idx="11"/>
+          <p:cNvPr id="6" name="Footer Placeholder 5"/>
+          <p:cNvSpPr>
+            <a:spLocks noGrp="1"/>
+          </p:cNvSpPr>
+          <p:nvPr>
+            <p:ph type="ftr" sz="quarter" idx="11"/>
+          </p:nvPr>
+        </p:nvSpPr>
+        <p:spPr/>
+        <p:txBody>
+          <a:bodyPr/>
+          <a:lstStyle/>
+          <a:p>
+            <a:endParaRPr lang="en-IN"/>
+          </a:p>
+        </p:txBody>
+      </p:sp>
+      <p:sp>
+        <p:nvSpPr>
+          <p:cNvPr id="7" name="Slide Number Placeholder 6"/>
+          <p:cNvSpPr>
+            <a:spLocks noGrp="1"/>
+          </p:cNvSpPr>
+          <p:nvPr>
+            <p:ph type="sldNum" sz="quarter" idx="12"/>
           </p:nvPr>
         </p:nvSpPr>
         <p:spPr/>
@@ -2516,25 +2751,6 @@
               <a:rPr lang="en-IN" smtClean="0"/>
               <a:t>‹#›</a:t>
             </a:fld>
-            <a:endParaRPr lang="en-IN"/>
-          </a:p>
-        </p:txBody>
-      </p:sp>
-      <p:sp>
-        <p:nvSpPr>
-          <p:cNvPr id="10" name="Footer Placeholder 9"/>
-          <p:cNvSpPr>
-            <a:spLocks noGrp="1"/>
-          </p:cNvSpPr>
-          <p:nvPr>
-            <p:ph type="ftr" sz="quarter" idx="12"/>
-          </p:nvPr>
-        </p:nvSpPr>
-        <p:spPr/>
-        <p:txBody>
-          <a:bodyPr/>
-          <a:lstStyle/>
-          <a:p>
             <a:endParaRPr lang="en-IN"/>
           </a:p>
         </p:txBody>
@@ -2551,7 +2767,7 @@
 <p:sldMaster xmlns:a="http://schemas.openxmlformats.org/drawingml/2006/main" xmlns:r="http://schemas.openxmlformats.org/officeDocument/2006/relationships" xmlns:p="http://schemas.openxmlformats.org/presentationml/2006/main">
   <p:cSld>
     <p:bg>
-      <p:bgRef idx="1002">
+      <p:bgRef idx="1001">
         <a:schemeClr val="bg1"/>
       </p:bgRef>
     </p:bg>
@@ -2571,115 +2787,20 @@
       </p:grpSpPr>
       <p:sp>
         <p:nvSpPr>
-          <p:cNvPr id="2" name="Title Placeholder 1"/>
-          <p:cNvSpPr>
-            <a:spLocks noGrp="1"/>
-          </p:cNvSpPr>
-          <p:nvPr>
-            <p:ph type="title"/>
-          </p:nvPr>
+          <p:cNvPr id="10" name="Rectangle 9"/>
+          <p:cNvSpPr/>
+          <p:nvPr/>
         </p:nvSpPr>
         <p:spPr>
           <a:xfrm>
-            <a:off x="457200" y="274638"/>
-            <a:ext cx="7620000" cy="1143000"/>
-          </a:xfrm>
-          <a:prstGeom prst="rect">
-            <a:avLst/>
-          </a:prstGeom>
-        </p:spPr>
-        <p:txBody>
-          <a:bodyPr vert="horz" lIns="91440" tIns="45720" rIns="91440" bIns="45720" rtlCol="0" anchor="ctr">
-            <a:noAutofit/>
-          </a:bodyPr>
-          <a:lstStyle/>
-          <a:p>
-            <a:r>
-              <a:rPr lang="en-US" smtClean="0"/>
-              <a:t>Click to edit Master title style</a:t>
-            </a:r>
-            <a:endParaRPr lang="en-US" dirty="0"/>
-          </a:p>
-        </p:txBody>
-      </p:sp>
-      <p:sp>
-        <p:nvSpPr>
-          <p:cNvPr id="3" name="Text Placeholder 2"/>
-          <p:cNvSpPr>
-            <a:spLocks noGrp="1"/>
-          </p:cNvSpPr>
-          <p:nvPr>
-            <p:ph type="body" idx="1"/>
-          </p:nvPr>
-        </p:nvSpPr>
-        <p:spPr>
-          <a:xfrm>
-            <a:off x="457200" y="1600200"/>
-            <a:ext cx="7620000" cy="4800600"/>
-          </a:xfrm>
-          <a:prstGeom prst="rect">
-            <a:avLst/>
-          </a:prstGeom>
-        </p:spPr>
-        <p:txBody>
-          <a:bodyPr vert="horz" lIns="91440" tIns="45720" rIns="91440" bIns="45720" rtlCol="0">
-            <a:normAutofit/>
-          </a:bodyPr>
-          <a:lstStyle/>
-          <a:p>
-            <a:pPr lvl="0"/>
-            <a:r>
-              <a:rPr lang="en-US" smtClean="0"/>
-              <a:t>Click to edit Master text styles</a:t>
-            </a:r>
-          </a:p>
-          <a:p>
-            <a:pPr lvl="1"/>
-            <a:r>
-              <a:rPr lang="en-US" smtClean="0"/>
-              <a:t>Second level</a:t>
-            </a:r>
-          </a:p>
-          <a:p>
-            <a:pPr lvl="2"/>
-            <a:r>
-              <a:rPr lang="en-US" smtClean="0"/>
-              <a:t>Third level</a:t>
-            </a:r>
-          </a:p>
-          <a:p>
-            <a:pPr lvl="3"/>
-            <a:r>
-              <a:rPr lang="en-US" smtClean="0"/>
-              <a:t>Fourth level</a:t>
-            </a:r>
-          </a:p>
-          <a:p>
-            <a:pPr lvl="4"/>
-            <a:r>
-              <a:rPr lang="en-US" smtClean="0"/>
-              <a:t>Fifth level</a:t>
-            </a:r>
-            <a:endParaRPr lang="en-US" dirty="0"/>
-          </a:p>
-        </p:txBody>
-      </p:sp>
-      <p:sp>
-        <p:nvSpPr>
-          <p:cNvPr id="7" name="Rectangle 6"/>
-          <p:cNvSpPr/>
-          <p:nvPr/>
-        </p:nvSpPr>
-        <p:spPr>
-          <a:xfrm>
-            <a:off x="8458200" y="0"/>
-            <a:ext cx="685800" cy="6858000"/>
+            <a:off x="0" y="220786"/>
+            <a:ext cx="9144000" cy="228600"/>
           </a:xfrm>
           <a:prstGeom prst="rect">
             <a:avLst/>
           </a:prstGeom>
           <a:solidFill>
-            <a:schemeClr val="tx2"/>
+            <a:srgbClr val="FFFFFF"/>
           </a:solidFill>
           <a:ln>
             <a:noFill/>
@@ -2712,14 +2833,109 @@
       </p:sp>
       <p:sp>
         <p:nvSpPr>
-          <p:cNvPr id="8" name="Rectangle 7"/>
+          <p:cNvPr id="2" name="Title Placeholder 1"/>
+          <p:cNvSpPr>
+            <a:spLocks noGrp="1"/>
+          </p:cNvSpPr>
+          <p:nvPr>
+            <p:ph type="title"/>
+          </p:nvPr>
+        </p:nvSpPr>
+        <p:spPr>
+          <a:xfrm>
+            <a:off x="457200" y="533400"/>
+            <a:ext cx="8229600" cy="990600"/>
+          </a:xfrm>
+          <a:prstGeom prst="rect">
+            <a:avLst/>
+          </a:prstGeom>
+        </p:spPr>
+        <p:txBody>
+          <a:bodyPr vert="horz" lIns="91440" tIns="45720" rIns="91440" bIns="45720" rtlCol="0" anchor="ctr">
+            <a:normAutofit/>
+          </a:bodyPr>
+          <a:lstStyle/>
+          <a:p>
+            <a:r>
+              <a:rPr lang="en-US" smtClean="0"/>
+              <a:t>Click to edit Master title style</a:t>
+            </a:r>
+            <a:endParaRPr lang="en-US" dirty="0"/>
+          </a:p>
+        </p:txBody>
+      </p:sp>
+      <p:sp>
+        <p:nvSpPr>
+          <p:cNvPr id="3" name="Text Placeholder 2"/>
+          <p:cNvSpPr>
+            <a:spLocks noGrp="1"/>
+          </p:cNvSpPr>
+          <p:nvPr>
+            <p:ph type="body" idx="1"/>
+          </p:nvPr>
+        </p:nvSpPr>
+        <p:spPr>
+          <a:xfrm>
+            <a:off x="457200" y="1600200"/>
+            <a:ext cx="8229600" cy="4876800"/>
+          </a:xfrm>
+          <a:prstGeom prst="rect">
+            <a:avLst/>
+          </a:prstGeom>
+        </p:spPr>
+        <p:txBody>
+          <a:bodyPr vert="horz" lIns="91440" tIns="45720" rIns="91440" bIns="45720" rtlCol="0">
+            <a:normAutofit/>
+          </a:bodyPr>
+          <a:lstStyle/>
+          <a:p>
+            <a:pPr lvl="0"/>
+            <a:r>
+              <a:rPr lang="en-US" smtClean="0"/>
+              <a:t>Click to edit Master text styles</a:t>
+            </a:r>
+          </a:p>
+          <a:p>
+            <a:pPr lvl="1"/>
+            <a:r>
+              <a:rPr lang="en-US" smtClean="0"/>
+              <a:t>Second level</a:t>
+            </a:r>
+          </a:p>
+          <a:p>
+            <a:pPr lvl="2"/>
+            <a:r>
+              <a:rPr lang="en-US" smtClean="0"/>
+              <a:t>Third level</a:t>
+            </a:r>
+          </a:p>
+          <a:p>
+            <a:pPr lvl="3"/>
+            <a:r>
+              <a:rPr lang="en-US" smtClean="0"/>
+              <a:t>Fourth level</a:t>
+            </a:r>
+          </a:p>
+          <a:p>
+            <a:pPr lvl="4"/>
+            <a:r>
+              <a:rPr lang="en-US" smtClean="0"/>
+              <a:t>Fifth level</a:t>
+            </a:r>
+            <a:endParaRPr lang="en-US" dirty="0"/>
+          </a:p>
+        </p:txBody>
+      </p:sp>
+      <p:sp>
+        <p:nvSpPr>
+          <p:cNvPr id="7" name="Rectangle 6"/>
           <p:cNvSpPr/>
           <p:nvPr/>
         </p:nvSpPr>
         <p:spPr>
           <a:xfrm>
-            <a:off x="8458200" y="5486400"/>
-            <a:ext cx="685800" cy="685800"/>
+            <a:off x="0" y="0"/>
+            <a:ext cx="9144000" cy="365760"/>
           </a:xfrm>
           <a:prstGeom prst="rect">
             <a:avLst/>
@@ -2758,35 +2974,28 @@
       </p:sp>
       <p:sp>
         <p:nvSpPr>
-          <p:cNvPr id="6" name="Slide Number Placeholder 5"/>
-          <p:cNvSpPr>
-            <a:spLocks noGrp="1"/>
-          </p:cNvSpPr>
-          <p:nvPr>
-            <p:ph type="sldNum" sz="quarter" idx="4"/>
+          <p:cNvPr id="4" name="Date Placeholder 3"/>
+          <p:cNvSpPr>
+            <a:spLocks noGrp="1"/>
+          </p:cNvSpPr>
+          <p:nvPr>
+            <p:ph type="dt" sz="half" idx="2"/>
           </p:nvPr>
         </p:nvSpPr>
         <p:spPr>
           <a:xfrm>
-            <a:off x="8531788" y="5648960"/>
-            <a:ext cx="548640" cy="396240"/>
+            <a:off x="457200" y="18288"/>
+            <a:ext cx="2895600" cy="329184"/>
           </a:xfrm>
-          <a:prstGeom prst="bracketPair">
-            <a:avLst>
-              <a:gd name="adj" fmla="val 17949"/>
-            </a:avLst>
+          <a:prstGeom prst="rect">
+            <a:avLst/>
           </a:prstGeom>
-          <a:ln w="19050">
-            <a:solidFill>
-              <a:srgbClr val="FFFFFF"/>
-            </a:solidFill>
-          </a:ln>
         </p:spPr>
         <p:txBody>
-          <a:bodyPr vert="horz" lIns="0" tIns="0" rIns="0" bIns="0" rtlCol="0" anchor="ctr"/>
+          <a:bodyPr vert="horz" lIns="91440" tIns="45720" rIns="91440" bIns="45720" rtlCol="0" anchor="ctr"/>
           <a:lstStyle>
-            <a:lvl1pPr algn="ctr">
-              <a:defRPr sz="1800">
+            <a:lvl1pPr algn="l">
+              <a:defRPr sz="1200">
                 <a:solidFill>
                   <a:srgbClr val="FFFFFF"/>
                 </a:solidFill>
@@ -2794,6 +3003,80 @@
             </a:lvl1pPr>
           </a:lstStyle>
           <a:p>
+            <a:fld id="{8E60910C-25EC-41B8-A89E-A3D68B19D591}" type="datetimeFigureOut">
+              <a:rPr lang="en-IN" smtClean="0"/>
+              <a:t>08-06-2024</a:t>
+            </a:fld>
+            <a:endParaRPr lang="en-IN"/>
+          </a:p>
+        </p:txBody>
+      </p:sp>
+      <p:sp>
+        <p:nvSpPr>
+          <p:cNvPr id="5" name="Footer Placeholder 4"/>
+          <p:cNvSpPr>
+            <a:spLocks noGrp="1"/>
+          </p:cNvSpPr>
+          <p:nvPr>
+            <p:ph type="ftr" sz="quarter" idx="3"/>
+          </p:nvPr>
+        </p:nvSpPr>
+        <p:spPr>
+          <a:xfrm>
+            <a:off x="3429000" y="18288"/>
+            <a:ext cx="4114800" cy="329184"/>
+          </a:xfrm>
+          <a:prstGeom prst="rect">
+            <a:avLst/>
+          </a:prstGeom>
+        </p:spPr>
+        <p:txBody>
+          <a:bodyPr vert="horz" lIns="91440" tIns="45720" rIns="91440" bIns="45720" rtlCol="0" anchor="ctr"/>
+          <a:lstStyle>
+            <a:lvl1pPr algn="ctr">
+              <a:defRPr sz="1200">
+                <a:solidFill>
+                  <a:srgbClr val="FFFFFF"/>
+                </a:solidFill>
+              </a:defRPr>
+            </a:lvl1pPr>
+          </a:lstStyle>
+          <a:p>
+            <a:endParaRPr lang="en-IN"/>
+          </a:p>
+        </p:txBody>
+      </p:sp>
+      <p:sp>
+        <p:nvSpPr>
+          <p:cNvPr id="6" name="Slide Number Placeholder 5"/>
+          <p:cNvSpPr>
+            <a:spLocks noGrp="1"/>
+          </p:cNvSpPr>
+          <p:nvPr>
+            <p:ph type="sldNum" sz="quarter" idx="4"/>
+          </p:nvPr>
+        </p:nvSpPr>
+        <p:spPr>
+          <a:xfrm>
+            <a:off x="7620000" y="18288"/>
+            <a:ext cx="1066800" cy="329184"/>
+          </a:xfrm>
+          <a:prstGeom prst="rect">
+            <a:avLst/>
+          </a:prstGeom>
+        </p:spPr>
+        <p:txBody>
+          <a:bodyPr vert="horz" lIns="91440" tIns="45720" rIns="91440" bIns="45720" rtlCol="0" anchor="ctr"/>
+          <a:lstStyle>
+            <a:lvl1pPr algn="l">
+              <a:defRPr sz="1400" b="1">
+                <a:solidFill>
+                  <a:srgbClr val="FFFFFF"/>
+                </a:solidFill>
+              </a:defRPr>
+            </a:lvl1pPr>
+          </a:lstStyle>
+          <a:p>
             <a:fld id="{6242F555-AAFB-47E0-96EC-33D446DE0076}" type="slidenum">
               <a:rPr lang="en-IN" smtClean="0"/>
               <a:t>‹#›</a:t>
@@ -2802,95 +3085,21 @@
           </a:p>
         </p:txBody>
       </p:sp>
-      <p:sp>
-        <p:nvSpPr>
-          <p:cNvPr id="5" name="Footer Placeholder 4"/>
-          <p:cNvSpPr>
-            <a:spLocks noGrp="1"/>
-          </p:cNvSpPr>
-          <p:nvPr>
-            <p:ph type="ftr" sz="quarter" idx="3"/>
-          </p:nvPr>
-        </p:nvSpPr>
-        <p:spPr>
-          <a:xfrm rot="16200000">
-            <a:off x="7586910" y="4048760"/>
-            <a:ext cx="2367281" cy="365760"/>
-          </a:xfrm>
-          <a:prstGeom prst="rect">
-            <a:avLst/>
-          </a:prstGeom>
-        </p:spPr>
-        <p:txBody>
-          <a:bodyPr vert="horz" lIns="91440" tIns="45720" rIns="91440" bIns="45720" rtlCol="0" anchor="ctr"/>
-          <a:lstStyle>
-            <a:lvl1pPr algn="r">
-              <a:defRPr sz="1200">
-                <a:solidFill>
-                  <a:schemeClr val="bg2"/>
-                </a:solidFill>
-              </a:defRPr>
-            </a:lvl1pPr>
-          </a:lstStyle>
-          <a:p>
-            <a:endParaRPr lang="en-IN"/>
-          </a:p>
-        </p:txBody>
-      </p:sp>
-      <p:sp>
-        <p:nvSpPr>
-          <p:cNvPr id="4" name="Date Placeholder 3"/>
-          <p:cNvSpPr>
-            <a:spLocks noGrp="1"/>
-          </p:cNvSpPr>
-          <p:nvPr>
-            <p:ph type="dt" sz="half" idx="2"/>
-          </p:nvPr>
-        </p:nvSpPr>
-        <p:spPr>
-          <a:xfrm rot="16200000">
-            <a:off x="7551351" y="1645920"/>
-            <a:ext cx="2438399" cy="365760"/>
-          </a:xfrm>
-          <a:prstGeom prst="rect">
-            <a:avLst/>
-          </a:prstGeom>
-        </p:spPr>
-        <p:txBody>
-          <a:bodyPr vert="horz" lIns="91440" tIns="45720" rIns="91440" bIns="45720" rtlCol="0" anchor="ctr"/>
-          <a:lstStyle>
-            <a:lvl1pPr algn="l">
-              <a:defRPr sz="1200">
-                <a:solidFill>
-                  <a:schemeClr val="bg2"/>
-                </a:solidFill>
-              </a:defRPr>
-            </a:lvl1pPr>
-          </a:lstStyle>
-          <a:p>
-            <a:fld id="{8E60910C-25EC-41B8-A89E-A3D68B19D591}" type="datetimeFigureOut">
-              <a:rPr lang="en-IN" smtClean="0"/>
-              <a:t>28-05-2024</a:t>
-            </a:fld>
-            <a:endParaRPr lang="en-IN"/>
-          </a:p>
-        </p:txBody>
-      </p:sp>
     </p:spTree>
   </p:cSld>
   <p:clrMap bg1="lt1" tx1="dk1" bg2="lt2" tx2="dk2" accent1="accent1" accent2="accent2" accent3="accent3" accent4="accent4" accent5="accent5" accent6="accent6" hlink="hlink" folHlink="folHlink"/>
   <p:sldLayoutIdLst>
-    <p:sldLayoutId id="2147483793" r:id="rId1"/>
-    <p:sldLayoutId id="2147483794" r:id="rId2"/>
-    <p:sldLayoutId id="2147483795" r:id="rId3"/>
-    <p:sldLayoutId id="2147483796" r:id="rId4"/>
-    <p:sldLayoutId id="2147483797" r:id="rId5"/>
-    <p:sldLayoutId id="2147483798" r:id="rId6"/>
-    <p:sldLayoutId id="2147483799" r:id="rId7"/>
-    <p:sldLayoutId id="2147483800" r:id="rId8"/>
-    <p:sldLayoutId id="2147483801" r:id="rId9"/>
-    <p:sldLayoutId id="2147483802" r:id="rId10"/>
-    <p:sldLayoutId id="2147483803" r:id="rId11"/>
+    <p:sldLayoutId id="2147483841" r:id="rId1"/>
+    <p:sldLayoutId id="2147483842" r:id="rId2"/>
+    <p:sldLayoutId id="2147483843" r:id="rId3"/>
+    <p:sldLayoutId id="2147483844" r:id="rId4"/>
+    <p:sldLayoutId id="2147483845" r:id="rId5"/>
+    <p:sldLayoutId id="2147483846" r:id="rId6"/>
+    <p:sldLayoutId id="2147483847" r:id="rId7"/>
+    <p:sldLayoutId id="2147483848" r:id="rId8"/>
+    <p:sldLayoutId id="2147483849" r:id="rId9"/>
+    <p:sldLayoutId id="2147483850" r:id="rId10"/>
+    <p:sldLayoutId id="2147483851" r:id="rId11"/>
   </p:sldLayoutIdLst>
   <p:txStyles>
     <p:titleStyle>
@@ -2899,14 +3108,10 @@
           <a:spcPct val="0"/>
         </a:spcBef>
         <a:buNone/>
-        <a:defRPr sz="4600" kern="1200" cap="none" spc="-100" baseline="0">
-          <a:ln>
-            <a:noFill/>
-          </a:ln>
+        <a:defRPr sz="4000" kern="1200" spc="-100" baseline="0">
           <a:solidFill>
             <a:schemeClr val="tx2"/>
           </a:solidFill>
-          <a:effectLst/>
           <a:latin typeface="+mj-lt"/>
           <a:ea typeface="+mj-ea"/>
           <a:cs typeface="+mj-cs"/>
@@ -2914,16 +3119,17 @@
       </a:lvl1pPr>
     </p:titleStyle>
     <p:bodyStyle>
-      <a:lvl1pPr marL="342900" indent="-228600" algn="l" defTabSz="914400" rtl="0" eaLnBrk="1" latinLnBrk="0" hangingPunct="1">
+      <a:lvl1pPr marL="182880" indent="-182880" algn="l" defTabSz="914400" rtl="0" eaLnBrk="1" latinLnBrk="0" hangingPunct="1">
         <a:spcBef>
           <a:spcPct val="20000"/>
         </a:spcBef>
         <a:buClr>
           <a:schemeClr val="accent1"/>
         </a:buClr>
+        <a:buSzPct val="85000"/>
         <a:buFont typeface="Arial" pitchFamily="34" charset="0"/>
         <a:buChar char="•"/>
-        <a:defRPr sz="2200" kern="1200">
+        <a:defRPr sz="2400" kern="1200">
           <a:solidFill>
             <a:schemeClr val="tx1"/>
           </a:solidFill>
@@ -2932,13 +3138,14 @@
           <a:cs typeface="+mn-cs"/>
         </a:defRPr>
       </a:lvl1pPr>
-      <a:lvl2pPr marL="640080" indent="-228600" algn="l" defTabSz="914400" rtl="0" eaLnBrk="1" latinLnBrk="0" hangingPunct="1">
+      <a:lvl2pPr marL="457200" indent="-182880" algn="l" defTabSz="914400" rtl="0" eaLnBrk="1" latinLnBrk="0" hangingPunct="1">
         <a:spcBef>
           <a:spcPct val="20000"/>
         </a:spcBef>
         <a:buClr>
-          <a:schemeClr val="accent2"/>
+          <a:schemeClr val="accent1"/>
         </a:buClr>
+        <a:buSzPct val="85000"/>
         <a:buFont typeface="Arial" pitchFamily="34" charset="0"/>
         <a:buChar char="•"/>
         <a:defRPr sz="2000" kern="1200">
@@ -2950,13 +3157,14 @@
           <a:cs typeface="+mn-cs"/>
         </a:defRPr>
       </a:lvl2pPr>
-      <a:lvl3pPr marL="1005840" indent="-228600" algn="l" defTabSz="914400" rtl="0" eaLnBrk="1" latinLnBrk="0" hangingPunct="1">
+      <a:lvl3pPr marL="731520" indent="-182880" algn="l" defTabSz="914400" rtl="0" eaLnBrk="1" latinLnBrk="0" hangingPunct="1">
         <a:spcBef>
           <a:spcPct val="20000"/>
         </a:spcBef>
         <a:buClr>
-          <a:schemeClr val="accent3"/>
+          <a:schemeClr val="accent1"/>
         </a:buClr>
+        <a:buSzPct val="90000"/>
         <a:buFont typeface="Arial" pitchFamily="34" charset="0"/>
         <a:buChar char="•"/>
         <a:defRPr sz="1800" kern="1200">
@@ -2968,12 +3176,12 @@
           <a:cs typeface="+mn-cs"/>
         </a:defRPr>
       </a:lvl3pPr>
-      <a:lvl4pPr marL="1280160" indent="-228600" algn="l" defTabSz="914400" rtl="0" eaLnBrk="1" latinLnBrk="0" hangingPunct="1">
+      <a:lvl4pPr marL="1005840" indent="-182880" algn="l" defTabSz="914400" rtl="0" eaLnBrk="1" latinLnBrk="0" hangingPunct="1">
         <a:spcBef>
           <a:spcPct val="20000"/>
         </a:spcBef>
         <a:buClr>
-          <a:schemeClr val="accent4"/>
+          <a:schemeClr val="accent1"/>
         </a:buClr>
         <a:buFont typeface="Arial" pitchFamily="34" charset="0"/>
         <a:buChar char="•"/>
@@ -2986,13 +3194,14 @@
           <a:cs typeface="+mn-cs"/>
         </a:defRPr>
       </a:lvl4pPr>
-      <a:lvl5pPr marL="1554480" indent="-228600" algn="l" defTabSz="914400" rtl="0" eaLnBrk="1" latinLnBrk="0" hangingPunct="1">
+      <a:lvl5pPr marL="1188720" indent="-137160" algn="l" defTabSz="914400" rtl="0" eaLnBrk="1" latinLnBrk="0" hangingPunct="1">
         <a:spcBef>
           <a:spcPct val="20000"/>
         </a:spcBef>
         <a:buClr>
-          <a:schemeClr val="accent5"/>
+          <a:schemeClr val="accent1"/>
         </a:buClr>
+        <a:buSzPct val="100000"/>
         <a:buFont typeface="Arial" pitchFamily="34" charset="0"/>
         <a:buChar char="•"/>
         <a:defRPr sz="1400" kern="1200" baseline="0">
@@ -3004,7 +3213,7 @@
           <a:cs typeface="+mn-cs"/>
         </a:defRPr>
       </a:lvl5pPr>
-      <a:lvl6pPr marL="1737360" indent="-182880" algn="l" defTabSz="914400" rtl="0" eaLnBrk="1" latinLnBrk="0" hangingPunct="1">
+      <a:lvl6pPr marL="1371600" indent="-182880" algn="l" defTabSz="914400" rtl="0" eaLnBrk="1" latinLnBrk="0" hangingPunct="1">
         <a:spcBef>
           <a:spcPct val="20000"/>
         </a:spcBef>
@@ -3013,7 +3222,7 @@
         </a:buClr>
         <a:buFont typeface="Arial" pitchFamily="34" charset="0"/>
         <a:buChar char="•"/>
-        <a:defRPr sz="1400" kern="1200" baseline="0">
+        <a:defRPr sz="1300" kern="1200">
           <a:solidFill>
             <a:schemeClr val="tx1"/>
           </a:solidFill>
@@ -3022,16 +3231,16 @@
           <a:cs typeface="+mn-cs"/>
         </a:defRPr>
       </a:lvl6pPr>
-      <a:lvl7pPr marL="1920240" indent="-182880" algn="l" defTabSz="914400" rtl="0" eaLnBrk="1" latinLnBrk="0" hangingPunct="1">
+      <a:lvl7pPr marL="1554480" indent="-182880" algn="l" defTabSz="914400" rtl="0" eaLnBrk="1" latinLnBrk="0" hangingPunct="1">
         <a:spcBef>
           <a:spcPct val="20000"/>
         </a:spcBef>
         <a:buClr>
-          <a:schemeClr val="accent2"/>
+          <a:schemeClr val="accent1"/>
         </a:buClr>
         <a:buFont typeface="Arial" pitchFamily="34" charset="0"/>
         <a:buChar char="•"/>
-        <a:defRPr sz="1400" kern="1200">
+        <a:defRPr sz="1300" kern="1200">
           <a:solidFill>
             <a:schemeClr val="tx1"/>
           </a:solidFill>
@@ -3040,16 +3249,16 @@
           <a:cs typeface="+mn-cs"/>
         </a:defRPr>
       </a:lvl7pPr>
-      <a:lvl8pPr marL="2103120" indent="-182880" algn="l" defTabSz="914400" rtl="0" eaLnBrk="1" latinLnBrk="0" hangingPunct="1">
+      <a:lvl8pPr marL="1737360" indent="-182880" algn="l" defTabSz="914400" rtl="0" eaLnBrk="1" latinLnBrk="0" hangingPunct="1">
         <a:spcBef>
           <a:spcPct val="20000"/>
         </a:spcBef>
         <a:buClr>
-          <a:schemeClr val="accent3"/>
+          <a:schemeClr val="accent1"/>
         </a:buClr>
         <a:buFont typeface="Arial" pitchFamily="34" charset="0"/>
         <a:buChar char="•"/>
-        <a:defRPr sz="1400" kern="1200">
+        <a:defRPr sz="1300" kern="1200">
           <a:solidFill>
             <a:schemeClr val="tx1"/>
           </a:solidFill>
@@ -3058,16 +3267,16 @@
           <a:cs typeface="+mn-cs"/>
         </a:defRPr>
       </a:lvl8pPr>
-      <a:lvl9pPr marL="2286000" indent="-182880" algn="l" defTabSz="914400" rtl="0" eaLnBrk="1" latinLnBrk="0" hangingPunct="1">
+      <a:lvl9pPr marL="1920240" indent="-182880" algn="l" defTabSz="914400" rtl="0" eaLnBrk="1" latinLnBrk="0" hangingPunct="1">
         <a:spcBef>
           <a:spcPct val="20000"/>
         </a:spcBef>
         <a:buClr>
-          <a:schemeClr val="accent4"/>
+          <a:schemeClr val="accent1"/>
         </a:buClr>
         <a:buFont typeface="Arial" pitchFamily="34" charset="0"/>
         <a:buChar char="•"/>
-        <a:defRPr sz="1400" kern="1200">
+        <a:defRPr sz="1300" kern="1200">
           <a:solidFill>
             <a:schemeClr val="tx1"/>
           </a:solidFill>
@@ -3229,7 +3438,7 @@
         <p:spPr/>
         <p:txBody>
           <a:bodyPr>
-            <a:normAutofit fontScale="25000" lnSpcReduction="20000"/>
+            <a:normAutofit fontScale="40000" lnSpcReduction="20000"/>
           </a:bodyPr>
           <a:lstStyle/>
           <a:p>
@@ -3358,7 +3567,7 @@
         </p:spPr>
         <p:txBody>
           <a:bodyPr>
-            <a:normAutofit fontScale="77500" lnSpcReduction="20000"/>
+            <a:normAutofit fontScale="70000" lnSpcReduction="20000"/>
           </a:bodyPr>
           <a:lstStyle/>
           <a:p>
@@ -5843,7 +6052,7 @@
         </p:spPr>
         <p:txBody>
           <a:bodyPr>
-            <a:normAutofit fontScale="92500" lnSpcReduction="10000"/>
+            <a:normAutofit fontScale="92500" lnSpcReduction="20000"/>
           </a:bodyPr>
           <a:lstStyle/>
           <a:p>
@@ -6293,7 +6502,7 @@
         </p:spPr>
         <p:txBody>
           <a:bodyPr>
-            <a:normAutofit fontScale="90000"/>
+            <a:normAutofit/>
           </a:bodyPr>
           <a:lstStyle/>
           <a:p>
@@ -7514,9 +7723,16 @@
             <p:ph type="title"/>
           </p:nvPr>
         </p:nvSpPr>
-        <p:spPr/>
-        <p:txBody>
-          <a:bodyPr/>
+        <p:spPr>
+          <a:xfrm>
+            <a:off x="152400" y="0"/>
+            <a:ext cx="8305800" cy="685800"/>
+          </a:xfrm>
+        </p:spPr>
+        <p:txBody>
+          <a:bodyPr>
+            <a:normAutofit fontScale="90000"/>
+          </a:bodyPr>
           <a:lstStyle/>
           <a:p>
             <a:r>
@@ -7593,10 +7809,6 @@
               <a:rPr lang="en-IN" sz="1800" dirty="0"/>
               <a:t>print(10 &gt; 9)</a:t>
             </a:r>
-            <a:r>
-              <a:rPr lang="en-IN" sz="1800" dirty="0"/>
-              <a:t/>
-            </a:r>
             <a:br>
               <a:rPr lang="en-IN" sz="1800" dirty="0"/>
             </a:br>
@@ -7604,10 +7816,6 @@
               <a:rPr lang="en-IN" sz="1800" dirty="0"/>
               <a:t>print(10 == 9)</a:t>
             </a:r>
-            <a:r>
-              <a:rPr lang="en-IN" sz="1800" dirty="0"/>
-              <a:t/>
-            </a:r>
             <a:br>
               <a:rPr lang="en-IN" sz="1800" dirty="0"/>
             </a:br>
@@ -7626,19 +7834,7 @@
             </a:pPr>
             <a:r>
               <a:rPr lang="en-US" sz="1800" dirty="0"/>
-              <a:t>When you run a condition in an if statement, Python returns </a:t>
-            </a:r>
-            <a:r>
-              <a:rPr lang="en-US" sz="1800" dirty="0"/>
-              <a:t>True</a:t>
-            </a:r>
-            <a:r>
-              <a:rPr lang="en-US" sz="1800" dirty="0"/>
-              <a:t> or </a:t>
-            </a:r>
-            <a:r>
-              <a:rPr lang="en-US" sz="1800" dirty="0"/>
-              <a:t>False</a:t>
+              <a:t>When you run a condition in an if statement, Python returns True or False</a:t>
             </a:r>
             <a:r>
               <a:rPr lang="en-US" sz="1800" dirty="0" smtClean="0"/>
@@ -7657,6 +7853,16 @@
               <a:rPr lang="en-US" sz="1800" dirty="0"/>
               <a:t>a = 200</a:t>
             </a:r>
+            <a:br>
+              <a:rPr lang="en-US" sz="1800" dirty="0"/>
+            </a:br>
+            <a:r>
+              <a:rPr lang="en-US" sz="1800" dirty="0"/>
+              <a:t>b = 33</a:t>
+            </a:r>
+            <a:br>
+              <a:rPr lang="en-US" sz="1800" dirty="0"/>
+            </a:br>
             <a:r>
               <a:rPr lang="en-US" sz="1800" dirty="0"/>
               <a:t/>
@@ -7666,133 +7872,103 @@
             </a:br>
             <a:r>
               <a:rPr lang="en-US" sz="1800" dirty="0"/>
-              <a:t>b = 33</a:t>
-            </a:r>
+              <a:t>if b &gt; a:</a:t>
+            </a:r>
+            <a:br>
+              <a:rPr lang="en-US" sz="1800" dirty="0"/>
+            </a:br>
+            <a:r>
+              <a:rPr lang="en-US" sz="1800" dirty="0"/>
+              <a:t>  print("b is greater than a")</a:t>
+            </a:r>
+            <a:br>
+              <a:rPr lang="en-US" sz="1800" dirty="0"/>
+            </a:br>
+            <a:r>
+              <a:rPr lang="en-US" sz="1800" dirty="0"/>
+              <a:t>else:</a:t>
+            </a:r>
+            <a:br>
+              <a:rPr lang="en-US" sz="1800" dirty="0"/>
+            </a:br>
+            <a:r>
+              <a:rPr lang="en-US" sz="1800" dirty="0"/>
+              <a:t>  print("b is not greater than a</a:t>
+            </a:r>
+            <a:r>
+              <a:rPr lang="en-US" sz="1800" dirty="0" smtClean="0"/>
+              <a:t>")</a:t>
+            </a:r>
+          </a:p>
+          <a:p>
+            <a:r>
+              <a:rPr lang="en-US" sz="1800" dirty="0"/>
+              <a:t>Evaluate Values and Variables</a:t>
+            </a:r>
+          </a:p>
+          <a:p>
+            <a:r>
+              <a:rPr lang="en-US" sz="1800" dirty="0"/>
+              <a:t>The </a:t>
+            </a:r>
+            <a:r>
+              <a:rPr lang="en-US" sz="1800" dirty="0" err="1"/>
+              <a:t>bool</a:t>
+            </a:r>
+            <a:r>
+              <a:rPr lang="en-US" sz="1800" dirty="0"/>
+              <a:t>() function allows you to evaluate any value, and give you True or False in return,</a:t>
+            </a:r>
+          </a:p>
+          <a:p>
+            <a:r>
+              <a:rPr lang="en-US" sz="1800" dirty="0" smtClean="0"/>
+              <a:t>Ex-  </a:t>
+            </a:r>
+            <a:r>
+              <a:rPr lang="en-US" sz="1600" dirty="0"/>
+              <a:t>Evaluate a string and a number:</a:t>
+            </a:r>
+          </a:p>
+          <a:p>
+            <a:r>
+              <a:rPr lang="en-US" sz="1600" dirty="0"/>
+              <a:t>print(</a:t>
+            </a:r>
+            <a:r>
+              <a:rPr lang="en-US" sz="1600" dirty="0" err="1"/>
+              <a:t>bool</a:t>
+            </a:r>
+            <a:r>
+              <a:rPr lang="en-US" sz="1600" dirty="0"/>
+              <a:t>("Hello"))</a:t>
+            </a:r>
+            <a:br>
+              <a:rPr lang="en-US" sz="1600" dirty="0"/>
+            </a:br>
+            <a:r>
+              <a:rPr lang="en-US" sz="1600" dirty="0"/>
+              <a:t>print(</a:t>
+            </a:r>
+            <a:r>
+              <a:rPr lang="en-US" sz="1600" dirty="0" err="1"/>
+              <a:t>bool</a:t>
+            </a:r>
+            <a:r>
+              <a:rPr lang="en-US" sz="1600" dirty="0"/>
+              <a:t>(15))</a:t>
+            </a:r>
+          </a:p>
+          <a:p>
+            <a:pPr marL="114300" indent="0">
+              <a:buNone/>
+            </a:pPr>
             <a:r>
               <a:rPr lang="en-US" sz="1800" dirty="0"/>
               <a:t/>
             </a:r>
             <a:br>
               <a:rPr lang="en-US" sz="1800" dirty="0"/>
-            </a:br>
-            <a:r>
-              <a:rPr lang="en-US" sz="1800" dirty="0"/>
-              <a:t/>
-            </a:r>
-            <a:br>
-              <a:rPr lang="en-US" sz="1800" dirty="0"/>
-            </a:br>
-            <a:r>
-              <a:rPr lang="en-US" sz="1800" dirty="0"/>
-              <a:t>if b &gt; a:</a:t>
-            </a:r>
-            <a:r>
-              <a:rPr lang="en-US" sz="1800" dirty="0"/>
-              <a:t/>
-            </a:r>
-            <a:br>
-              <a:rPr lang="en-US" sz="1800" dirty="0"/>
-            </a:br>
-            <a:r>
-              <a:rPr lang="en-US" sz="1800" dirty="0"/>
-              <a:t>  print("b is greater than a")</a:t>
-            </a:r>
-            <a:r>
-              <a:rPr lang="en-US" sz="1800" dirty="0"/>
-              <a:t/>
-            </a:r>
-            <a:br>
-              <a:rPr lang="en-US" sz="1800" dirty="0"/>
-            </a:br>
-            <a:r>
-              <a:rPr lang="en-US" sz="1800" dirty="0"/>
-              <a:t>else:</a:t>
-            </a:r>
-            <a:r>
-              <a:rPr lang="en-US" sz="1800" dirty="0"/>
-              <a:t/>
-            </a:r>
-            <a:br>
-              <a:rPr lang="en-US" sz="1800" dirty="0"/>
-            </a:br>
-            <a:r>
-              <a:rPr lang="en-US" sz="1800" dirty="0"/>
-              <a:t>  print("b is not greater than a</a:t>
-            </a:r>
-            <a:r>
-              <a:rPr lang="en-US" sz="1800" dirty="0" smtClean="0"/>
-              <a:t>")</a:t>
-            </a:r>
-          </a:p>
-          <a:p>
-            <a:r>
-              <a:rPr lang="en-US" sz="1800" dirty="0"/>
-              <a:t>Evaluate Values and Variables</a:t>
-            </a:r>
-          </a:p>
-          <a:p>
-            <a:r>
-              <a:rPr lang="en-US" sz="1800" dirty="0"/>
-              <a:t>The </a:t>
-            </a:r>
-            <a:r>
-              <a:rPr lang="en-US" sz="1800" dirty="0" err="1"/>
-              <a:t>bool</a:t>
-            </a:r>
-            <a:r>
-              <a:rPr lang="en-US" sz="1800" dirty="0"/>
-              <a:t>() function allows you to evaluate any value, and give you True or False in return,</a:t>
-            </a:r>
-          </a:p>
-          <a:p>
-            <a:r>
-              <a:rPr lang="en-US" sz="1800" dirty="0" smtClean="0"/>
-              <a:t>Ex-  </a:t>
-            </a:r>
-            <a:r>
-              <a:rPr lang="en-US" sz="1600" dirty="0"/>
-              <a:t>Evaluate a string and a number:</a:t>
-            </a:r>
-          </a:p>
-          <a:p>
-            <a:r>
-              <a:rPr lang="en-US" sz="1600" dirty="0"/>
-              <a:t>print(</a:t>
-            </a:r>
-            <a:r>
-              <a:rPr lang="en-US" sz="1600" dirty="0" err="1"/>
-              <a:t>bool</a:t>
-            </a:r>
-            <a:r>
-              <a:rPr lang="en-US" sz="1600" dirty="0"/>
-              <a:t>("Hello"))</a:t>
-            </a:r>
-            <a:br>
-              <a:rPr lang="en-US" sz="1600" dirty="0"/>
-            </a:br>
-            <a:r>
-              <a:rPr lang="en-US" sz="1600" dirty="0"/>
-              <a:t>print(</a:t>
-            </a:r>
-            <a:r>
-              <a:rPr lang="en-US" sz="1600" dirty="0" err="1"/>
-              <a:t>bool</a:t>
-            </a:r>
-            <a:r>
-              <a:rPr lang="en-US" sz="1600"/>
-              <a:t>(15))</a:t>
-            </a:r>
-          </a:p>
-          <a:p>
-            <a:pPr marL="114300" indent="0">
-              <a:buNone/>
-            </a:pPr>
-            <a:r>
-              <a:rPr lang="en-US" sz="1800"/>
-              <a:t/>
-            </a:r>
-            <a:br>
-              <a:rPr lang="en-US" sz="1800"/>
             </a:br>
             <a:endParaRPr lang="en-IN" sz="1800" dirty="0"/>
           </a:p>
@@ -7802,6 +7978,233 @@
     <p:extLst>
       <p:ext uri="{BB962C8B-B14F-4D97-AF65-F5344CB8AC3E}">
         <p14:creationId xmlns:p14="http://schemas.microsoft.com/office/powerpoint/2010/main" val="2241170532"/>
+      </p:ext>
+    </p:extLst>
+  </p:cSld>
+  <p:clrMapOvr>
+    <a:masterClrMapping/>
+  </p:clrMapOvr>
+</p:sld>
+</file>
+
+<file path=ppt/slides/slide24.xml><?xml version="1.0" encoding="utf-8"?>
+<p:sld xmlns:a="http://schemas.openxmlformats.org/drawingml/2006/main" xmlns:r="http://schemas.openxmlformats.org/officeDocument/2006/relationships" xmlns:p="http://schemas.openxmlformats.org/presentationml/2006/main">
+  <p:cSld>
+    <p:spTree>
+      <p:nvGrpSpPr>
+        <p:cNvPr id="1" name=""/>
+        <p:cNvGrpSpPr/>
+        <p:nvPr/>
+      </p:nvGrpSpPr>
+      <p:grpSpPr>
+        <a:xfrm>
+          <a:off x="0" y="0"/>
+          <a:ext cx="0" cy="0"/>
+          <a:chOff x="0" y="0"/>
+          <a:chExt cx="0" cy="0"/>
+        </a:xfrm>
+      </p:grpSpPr>
+      <p:sp>
+        <p:nvSpPr>
+          <p:cNvPr id="2" name="Title 1"/>
+          <p:cNvSpPr>
+            <a:spLocks noGrp="1"/>
+          </p:cNvSpPr>
+          <p:nvPr>
+            <p:ph type="title"/>
+          </p:nvPr>
+        </p:nvSpPr>
+        <p:spPr>
+          <a:xfrm>
+            <a:off x="457200" y="228600"/>
+            <a:ext cx="8229600" cy="1295400"/>
+          </a:xfrm>
+        </p:spPr>
+        <p:txBody>
+          <a:bodyPr>
+            <a:normAutofit fontScale="90000"/>
+          </a:bodyPr>
+          <a:lstStyle/>
+          <a:p>
+            <a:pPr algn="ctr"/>
+            <a:r>
+              <a:rPr lang="en-IN" dirty="0"/>
+              <a:t>Python Lists</a:t>
+            </a:r>
+            <a:br>
+              <a:rPr lang="en-IN" dirty="0"/>
+            </a:br>
+            <a:endParaRPr lang="en-IN" dirty="0"/>
+          </a:p>
+        </p:txBody>
+      </p:sp>
+      <p:sp>
+        <p:nvSpPr>
+          <p:cNvPr id="3" name="Content Placeholder 2"/>
+          <p:cNvSpPr>
+            <a:spLocks noGrp="1"/>
+          </p:cNvSpPr>
+          <p:nvPr>
+            <p:ph idx="1"/>
+          </p:nvPr>
+        </p:nvSpPr>
+        <p:spPr>
+          <a:xfrm>
+            <a:off x="0" y="914400"/>
+            <a:ext cx="9067800" cy="5943600"/>
+          </a:xfrm>
+        </p:spPr>
+        <p:txBody>
+          <a:bodyPr>
+            <a:normAutofit fontScale="92500" lnSpcReduction="10000"/>
+          </a:bodyPr>
+          <a:lstStyle/>
+          <a:p>
+            <a:r>
+              <a:rPr lang="en-US" dirty="0"/>
+              <a:t>Lists are used to store multiple items in a single variable.</a:t>
+            </a:r>
+          </a:p>
+          <a:p>
+            <a:r>
+              <a:rPr lang="en-US" dirty="0"/>
+              <a:t>Lists are one of 4 built-in data types in Python used to store collections of data, the other 3 are </a:t>
+            </a:r>
+            <a:r>
+              <a:rPr lang="en-US" dirty="0">
+                <a:hlinkClick r:id="rId2"/>
+              </a:rPr>
+              <a:t>Tuple</a:t>
+            </a:r>
+            <a:r>
+              <a:rPr lang="en-US" dirty="0"/>
+              <a:t>, </a:t>
+            </a:r>
+            <a:r>
+              <a:rPr lang="en-US" dirty="0">
+                <a:hlinkClick r:id="rId3"/>
+              </a:rPr>
+              <a:t>Set</a:t>
+            </a:r>
+            <a:r>
+              <a:rPr lang="en-US" dirty="0"/>
+              <a:t>, and </a:t>
+            </a:r>
+            <a:r>
+              <a:rPr lang="en-US" dirty="0">
+                <a:hlinkClick r:id="rId4"/>
+              </a:rPr>
+              <a:t>Dictionary</a:t>
+            </a:r>
+            <a:r>
+              <a:rPr lang="en-US" dirty="0"/>
+              <a:t>, all with different qualities and usage.</a:t>
+            </a:r>
+          </a:p>
+          <a:p>
+            <a:r>
+              <a:rPr lang="en-US" dirty="0"/>
+              <a:t>Lists are created using square brackets:</a:t>
+            </a:r>
+          </a:p>
+          <a:p>
+            <a:r>
+              <a:rPr lang="en-US" dirty="0" smtClean="0"/>
+              <a:t> EX - </a:t>
+            </a:r>
+            <a:r>
+              <a:rPr lang="en-US" dirty="0" err="1" smtClean="0"/>
+              <a:t>thislist</a:t>
+            </a:r>
+            <a:r>
+              <a:rPr lang="en-US" dirty="0" smtClean="0"/>
+              <a:t> </a:t>
+            </a:r>
+            <a:r>
+              <a:rPr lang="en-US" dirty="0"/>
+              <a:t>= ["apple", "banana", "cherry"]</a:t>
+            </a:r>
+            <a:r>
+              <a:rPr lang="en-US" dirty="0"/>
+              <a:t/>
+            </a:r>
+            <a:br>
+              <a:rPr lang="en-US" dirty="0"/>
+            </a:br>
+            <a:r>
+              <a:rPr lang="en-US" dirty="0"/>
+              <a:t>print(</a:t>
+            </a:r>
+            <a:r>
+              <a:rPr lang="en-US" dirty="0" err="1"/>
+              <a:t>thislist</a:t>
+            </a:r>
+            <a:r>
+              <a:rPr lang="en-US" dirty="0" smtClean="0"/>
+              <a:t>)</a:t>
+            </a:r>
+          </a:p>
+          <a:p>
+            <a:r>
+              <a:rPr lang="en-US" dirty="0"/>
+              <a:t>List Items</a:t>
+            </a:r>
+          </a:p>
+          <a:p>
+            <a:pPr marL="0" indent="0">
+              <a:buNone/>
+            </a:pPr>
+            <a:r>
+              <a:rPr lang="en-US" dirty="0"/>
+              <a:t>List items are ordered, changeable, and allow duplicate values.</a:t>
+            </a:r>
+          </a:p>
+          <a:p>
+            <a:pPr marL="0" indent="0">
+              <a:buNone/>
+            </a:pPr>
+            <a:r>
+              <a:rPr lang="en-US" dirty="0"/>
+              <a:t>List items are indexed, the first item has index [0], the second item has index [1] etc</a:t>
+            </a:r>
+            <a:r>
+              <a:rPr lang="en-US" dirty="0" smtClean="0"/>
+              <a:t>.</a:t>
+            </a:r>
+          </a:p>
+          <a:p>
+            <a:r>
+              <a:rPr lang="en-US" dirty="0"/>
+              <a:t>Ordered</a:t>
+            </a:r>
+          </a:p>
+          <a:p>
+            <a:r>
+              <a:rPr lang="en-US" dirty="0"/>
+              <a:t>When we say that lists are ordered, it means that the items have a defined order, and that order will not change.</a:t>
+            </a:r>
+          </a:p>
+          <a:p>
+            <a:r>
+              <a:rPr lang="en-US" dirty="0"/>
+              <a:t>If you add new items to a list, the new items will be placed at the end of the list.</a:t>
+            </a:r>
+          </a:p>
+          <a:p>
+            <a:pPr marL="0" indent="0">
+              <a:buNone/>
+            </a:pPr>
+            <a:endParaRPr lang="en-US" dirty="0"/>
+          </a:p>
+          <a:p>
+            <a:endParaRPr lang="en-IN" dirty="0"/>
+          </a:p>
+        </p:txBody>
+      </p:sp>
+    </p:spTree>
+    <p:extLst>
+      <p:ext uri="{BB962C8B-B14F-4D97-AF65-F5344CB8AC3E}">
+        <p14:creationId xmlns:p14="http://schemas.microsoft.com/office/powerpoint/2010/main" val="3486147938"/>
       </p:ext>
     </p:extLst>
   </p:cSld>
@@ -8647,7 +9050,7 @@
         <p:spPr/>
         <p:txBody>
           <a:bodyPr>
-            <a:normAutofit fontScale="70000" lnSpcReduction="20000"/>
+            <a:normAutofit fontScale="62500" lnSpcReduction="20000"/>
           </a:bodyPr>
           <a:lstStyle/>
           <a:p>
@@ -8918,7 +9321,7 @@
         <p:spPr/>
         <p:txBody>
           <a:bodyPr>
-            <a:normAutofit lnSpcReduction="10000"/>
+            <a:normAutofit fontScale="92500" lnSpcReduction="10000"/>
           </a:bodyPr>
           <a:lstStyle/>
           <a:p>
@@ -9061,7 +9464,7 @@
         </p:spPr>
         <p:txBody>
           <a:bodyPr>
-            <a:normAutofit fontScale="90000"/>
+            <a:normAutofit/>
           </a:bodyPr>
           <a:lstStyle/>
           <a:p>
@@ -9093,7 +9496,7 @@
         <p:spPr/>
         <p:txBody>
           <a:bodyPr>
-            <a:normAutofit fontScale="70000" lnSpcReduction="20000"/>
+            <a:normAutofit fontScale="62500" lnSpcReduction="20000"/>
           </a:bodyPr>
           <a:lstStyle/>
           <a:p>
@@ -9324,62 +9727,62 @@
 </file>
 
 <file path=ppt/theme/theme1.xml><?xml version="1.0" encoding="utf-8"?>
-<a:theme xmlns:a="http://schemas.openxmlformats.org/drawingml/2006/main" name="Adjacency">
+<a:theme xmlns:a="http://schemas.openxmlformats.org/drawingml/2006/main" name="Clarity">
   <a:themeElements>
-    <a:clrScheme name="Adjacency">
+    <a:clrScheme name="Clarity">
       <a:dk1>
-        <a:srgbClr val="2F2B20"/>
+        <a:srgbClr val="292934"/>
       </a:dk1>
       <a:lt1>
         <a:srgbClr val="FFFFFF"/>
       </a:lt1>
       <a:dk2>
-        <a:srgbClr val="675E47"/>
+        <a:srgbClr val="D2533C"/>
       </a:dk2>
       <a:lt2>
-        <a:srgbClr val="DFDCB7"/>
+        <a:srgbClr val="F3F2DC"/>
       </a:lt2>
       <a:accent1>
-        <a:srgbClr val="A9A57C"/>
+        <a:srgbClr val="93A299"/>
       </a:accent1>
       <a:accent2>
-        <a:srgbClr val="9CBEBD"/>
+        <a:srgbClr val="AD8F67"/>
       </a:accent2>
       <a:accent3>
-        <a:srgbClr val="D2CB6C"/>
+        <a:srgbClr val="726056"/>
       </a:accent3>
       <a:accent4>
-        <a:srgbClr val="95A39D"/>
+        <a:srgbClr val="4C5A6A"/>
       </a:accent4>
       <a:accent5>
-        <a:srgbClr val="C89F5D"/>
+        <a:srgbClr val="808DA0"/>
       </a:accent5>
       <a:accent6>
-        <a:srgbClr val="B1A089"/>
+        <a:srgbClr val="79463D"/>
       </a:accent6>
       <a:hlink>
-        <a:srgbClr val="D25814"/>
+        <a:srgbClr val="0000FF"/>
       </a:hlink>
       <a:folHlink>
-        <a:srgbClr val="849A0A"/>
+        <a:srgbClr val="800080"/>
       </a:folHlink>
     </a:clrScheme>
-    <a:fontScheme name="Office">
+    <a:fontScheme name="Office Classic 2">
       <a:majorFont>
-        <a:latin typeface="Cambria"/>
+        <a:latin typeface="Arial"/>
         <a:ea typeface=""/>
         <a:cs typeface=""/>
-        <a:font script="Jpan" typeface="ＭＳ ゴシック"/>
-        <a:font script="Hang" typeface="맑은 고딕"/>
-        <a:font script="Hans" typeface="宋体"/>
-        <a:font script="Hant" typeface="新細明體"/>
-        <a:font script="Arab" typeface="Times New Roman"/>
-        <a:font script="Hebr" typeface="Times New Roman"/>
-        <a:font script="Thai" typeface="Angsana New"/>
+        <a:font script="Jpan" typeface="ＭＳ Ｐゴシック"/>
+        <a:font script="Hang" typeface="돋움"/>
+        <a:font script="Hans" typeface="方正舒体"/>
+        <a:font script="Hant" typeface="微軟正黑體"/>
+        <a:font script="Arab" typeface="Arial"/>
+        <a:font script="Hebr" typeface="Arial"/>
+        <a:font script="Thai" typeface="Cordia New"/>
         <a:font script="Ethi" typeface="Nyala"/>
         <a:font script="Beng" typeface="Vrinda"/>
         <a:font script="Gujr" typeface="Shruti"/>
-        <a:font script="Khmr" typeface="MoolBoran"/>
+        <a:font script="Khmr" typeface="DaunPenh"/>
         <a:font script="Knda" typeface="Tunga"/>
         <a:font script="Guru" typeface="Raavi"/>
         <a:font script="Cans" typeface="Euphemia"/>
@@ -9396,18 +9799,18 @@
         <a:font script="Laoo" typeface="DokChampa"/>
         <a:font script="Sinh" typeface="Iskoola Pota"/>
         <a:font script="Mong" typeface="Mongolian Baiti"/>
-        <a:font script="Viet" typeface="Times New Roman"/>
+        <a:font script="Viet" typeface="Arial"/>
         <a:font script="Uigh" typeface="Microsoft Uighur"/>
         <a:font script="Geor" typeface="Sylfaen"/>
       </a:majorFont>
       <a:minorFont>
-        <a:latin typeface="Calibri"/>
+        <a:latin typeface="Arial"/>
         <a:ea typeface=""/>
         <a:cs typeface=""/>
-        <a:font script="Jpan" typeface="ＭＳ 明朝"/>
-        <a:font script="Hang" typeface="맑은 고딕"/>
-        <a:font script="Hans" typeface="宋体"/>
-        <a:font script="Hant" typeface="新細明體"/>
+        <a:font script="Jpan" typeface="ＭＳ Ｐゴシック"/>
+        <a:font script="Hang" typeface="돋움"/>
+        <a:font script="Hans" typeface="方正舒体"/>
+        <a:font script="Hant" typeface="微軟正黑體"/>
         <a:font script="Arab" typeface="Arial"/>
         <a:font script="Hebr" typeface="Arial"/>
         <a:font script="Thai" typeface="Cordia New"/>
@@ -9436,37 +9839,85 @@
         <a:font script="Geor" typeface="Sylfaen"/>
       </a:minorFont>
     </a:fontScheme>
-    <a:fmtScheme name="Adjacency">
+    <a:fmtScheme name="Clarity">
       <a:fillStyleLst>
         <a:solidFill>
           <a:schemeClr val="phClr"/>
         </a:solidFill>
-        <a:solidFill>
-          <a:schemeClr val="phClr">
-            <a:tint val="55000"/>
-          </a:schemeClr>
-        </a:solidFill>
-        <a:solidFill>
-          <a:schemeClr val="phClr"/>
-        </a:solidFill>
+        <a:gradFill rotWithShape="1">
+          <a:gsLst>
+            <a:gs pos="0">
+              <a:schemeClr val="phClr">
+                <a:tint val="50000"/>
+                <a:shade val="86000"/>
+                <a:satMod val="140000"/>
+              </a:schemeClr>
+            </a:gs>
+            <a:gs pos="45000">
+              <a:schemeClr val="phClr">
+                <a:tint val="48000"/>
+                <a:satMod val="150000"/>
+              </a:schemeClr>
+            </a:gs>
+            <a:gs pos="100000">
+              <a:schemeClr val="phClr">
+                <a:tint val="28000"/>
+                <a:satMod val="160000"/>
+              </a:schemeClr>
+            </a:gs>
+          </a:gsLst>
+          <a:path path="circle">
+            <a:fillToRect l="100000" t="100000" r="100000" b="100000"/>
+          </a:path>
+        </a:gradFill>
+        <a:gradFill rotWithShape="1">
+          <a:gsLst>
+            <a:gs pos="0">
+              <a:schemeClr val="phClr">
+                <a:shade val="70000"/>
+                <a:satMod val="150000"/>
+              </a:schemeClr>
+            </a:gs>
+            <a:gs pos="34000">
+              <a:schemeClr val="phClr">
+                <a:shade val="70000"/>
+                <a:satMod val="140000"/>
+              </a:schemeClr>
+            </a:gs>
+            <a:gs pos="70000">
+              <a:schemeClr val="phClr">
+                <a:tint val="100000"/>
+                <a:shade val="90000"/>
+                <a:satMod val="140000"/>
+              </a:schemeClr>
+            </a:gs>
+            <a:gs pos="100000">
+              <a:schemeClr val="phClr">
+                <a:tint val="100000"/>
+                <a:shade val="100000"/>
+                <a:satMod val="100000"/>
+              </a:schemeClr>
+            </a:gs>
+          </a:gsLst>
+          <a:path path="circle">
+            <a:fillToRect l="100000" t="100000" r="100000" b="100000"/>
+          </a:path>
+        </a:gradFill>
       </a:fillStyleLst>
       <a:lnStyleLst>
-        <a:ln w="12700" cap="flat" cmpd="sng" algn="ctr">
-          <a:solidFill>
-            <a:schemeClr val="phClr">
-              <a:shade val="95000"/>
-              <a:satMod val="105000"/>
-            </a:schemeClr>
-          </a:solidFill>
-          <a:prstDash val="solid"/>
-        </a:ln>
-        <a:ln w="25400" cap="flat" cmpd="sng" algn="ctr">
+        <a:ln w="9525" cap="flat" cmpd="sng" algn="ctr">
           <a:solidFill>
             <a:schemeClr val="phClr"/>
           </a:solidFill>
           <a:prstDash val="solid"/>
         </a:ln>
-        <a:ln w="38100" cap="flat" cmpd="sng" algn="ctr">
+        <a:ln w="26425" cap="flat" cmpd="sng" algn="ctr">
+          <a:solidFill>
+            <a:schemeClr val="phClr"/>
+          </a:solidFill>
+          <a:prstDash val="solid"/>
+        </a:ln>
+        <a:ln w="44450" cap="flat" cmpd="sng" algn="ctr">
           <a:solidFill>
             <a:schemeClr val="phClr"/>
           </a:solidFill>
@@ -9479,7 +9930,7 @@
         </a:effectStyle>
         <a:effectStyle>
           <a:effectLst>
-            <a:outerShdw blurRad="50800" dist="25400" algn="bl" rotWithShape="0">
+            <a:outerShdw blurRad="38100" dist="25400" dir="2700000" algn="br" rotWithShape="0">
               <a:srgbClr val="000000">
                 <a:alpha val="60000"/>
               </a:srgbClr>
@@ -9487,21 +9938,27 @@
           </a:effectLst>
         </a:effectStyle>
         <a:effectStyle>
-          <a:effectLst/>
+          <a:effectLst>
+            <a:outerShdw blurRad="38100" dist="25400" dir="2700000" algn="br" rotWithShape="0">
+              <a:srgbClr val="000000">
+                <a:alpha val="60000"/>
+              </a:srgbClr>
+            </a:outerShdw>
+          </a:effectLst>
           <a:scene3d>
             <a:camera prst="orthographicFront">
               <a:rot lat="0" lon="0" rev="0"/>
             </a:camera>
-            <a:lightRig rig="brightRoom" dir="tl">
-              <a:rot lat="0" lon="0" rev="1800000"/>
+            <a:lightRig rig="balanced" dir="t">
+              <a:rot lat="0" lon="0" rev="5100000"/>
             </a:lightRig>
           </a:scene3d>
-          <a:sp3d contourW="10160" prstMaterial="dkEdge">
-            <a:bevelT w="38100" h="50800" prst="angle"/>
+          <a:sp3d contourW="6350">
+            <a:bevelT w="29210" h="12700"/>
             <a:contourClr>
               <a:schemeClr val="phClr">
-                <a:shade val="40000"/>
-                <a:satMod val="150000"/>
+                <a:shade val="30000"/>
+                <a:satMod val="130000"/>
               </a:schemeClr>
             </a:contourClr>
           </a:sp3d>
@@ -9515,38 +9972,39 @@
           <a:gsLst>
             <a:gs pos="0">
               <a:schemeClr val="phClr">
-                <a:tint val="90000"/>
+                <a:tint val="85000"/>
+                <a:satMod val="180000"/>
               </a:schemeClr>
             </a:gs>
-            <a:gs pos="75000">
+            <a:gs pos="40000">
               <a:schemeClr val="phClr">
-                <a:shade val="100000"/>
-                <a:satMod val="115000"/>
+                <a:tint val="95000"/>
+                <a:shade val="85000"/>
+                <a:satMod val="150000"/>
               </a:schemeClr>
             </a:gs>
             <a:gs pos="100000">
               <a:schemeClr val="phClr">
-                <a:shade val="70000"/>
-                <a:satMod val="130000"/>
+                <a:shade val="45000"/>
+                <a:satMod val="200000"/>
               </a:schemeClr>
             </a:gs>
           </a:gsLst>
-          <a:path path="circle">
-            <a:fillToRect l="20000" t="50000" r="100000" b="50000"/>
-          </a:path>
+          <a:lin ang="5400000" scaled="0"/>
         </a:gradFill>
         <a:blipFill rotWithShape="1">
           <a:blip xmlns:r="http://schemas.openxmlformats.org/officeDocument/2006/relationships" r:embed="rId1">
             <a:duotone>
               <a:schemeClr val="phClr">
-                <a:tint val="97000"/>
+                <a:shade val="55000"/>
               </a:schemeClr>
               <a:schemeClr val="phClr">
-                <a:shade val="96000"/>
+                <a:tint val="97000"/>
+                <a:satMod val="95000"/>
               </a:schemeClr>
             </a:duotone>
           </a:blip>
-          <a:tile tx="0" ty="0" sx="32000" sy="32000" flip="none" algn="tl"/>
+          <a:tile tx="0" ty="0" sx="70000" sy="70000" flip="none" algn="tl"/>
         </a:blipFill>
       </a:bgFillStyleLst>
     </a:fmtScheme>
